--- a/재료역학실험/1조 재료역학실험 이론 수식 정리 20191089 김찬우.pptx
+++ b/재료역학실험/1조 재료역학실험 이론 수식 정리 20191089 김찬우.pptx
@@ -5,13 +5,14 @@
     <p:sldMasterId id="2147483648" r:id="rId4"/>
   </p:sldMasterIdLst>
   <p:notesMasterIdLst>
-    <p:notesMasterId r:id="rId9"/>
+    <p:notesMasterId r:id="rId10"/>
   </p:notesMasterIdLst>
   <p:sldIdLst>
     <p:sldId id="257" r:id="rId5"/>
     <p:sldId id="258" r:id="rId6"/>
     <p:sldId id="256" r:id="rId7"/>
     <p:sldId id="259" r:id="rId8"/>
+    <p:sldId id="260" r:id="rId9"/>
   </p:sldIdLst>
   <p:sldSz cx="12192000" cy="6858000"/>
   <p:notesSz cx="6858000" cy="9144000"/>
@@ -208,7 +209,7 @@
           <a:p>
             <a:fld id="{17ADDB38-4F8C-4401-B917-437DA1CD761D}" type="datetimeFigureOut">
               <a:rPr lang="ko-KR" altLang="en-US" smtClean="0"/>
-              <a:t>2023-10-13</a:t>
+              <a:t>2023-10-15</a:t>
             </a:fld>
             <a:endParaRPr lang="ko-KR" altLang="en-US"/>
           </a:p>
@@ -559,6 +560,90 @@
 </p:notes>
 </file>
 
+<file path=ppt/notesSlides/notesSlide2.xml><?xml version="1.0" encoding="utf-8"?>
+<p:notes xmlns:a="http://schemas.openxmlformats.org/drawingml/2006/main" xmlns:r="http://schemas.openxmlformats.org/officeDocument/2006/relationships" xmlns:p="http://schemas.openxmlformats.org/presentationml/2006/main">
+  <p:cSld>
+    <p:spTree>
+      <p:nvGrpSpPr>
+        <p:cNvPr id="1" name=""/>
+        <p:cNvGrpSpPr/>
+        <p:nvPr/>
+      </p:nvGrpSpPr>
+      <p:grpSpPr>
+        <a:xfrm>
+          <a:off x="0" y="0"/>
+          <a:ext cx="0" cy="0"/>
+          <a:chOff x="0" y="0"/>
+          <a:chExt cx="0" cy="0"/>
+        </a:xfrm>
+      </p:grpSpPr>
+      <p:sp>
+        <p:nvSpPr>
+          <p:cNvPr id="2" name="슬라이드 이미지 개체 틀 1"/>
+          <p:cNvSpPr>
+            <a:spLocks noGrp="1" noRot="1" noChangeAspect="1"/>
+          </p:cNvSpPr>
+          <p:nvPr>
+            <p:ph type="sldImg"/>
+          </p:nvPr>
+        </p:nvSpPr>
+        <p:spPr/>
+      </p:sp>
+      <p:sp>
+        <p:nvSpPr>
+          <p:cNvPr id="3" name="슬라이드 노트 개체 틀 2"/>
+          <p:cNvSpPr>
+            <a:spLocks noGrp="1"/>
+          </p:cNvSpPr>
+          <p:nvPr>
+            <p:ph type="body" idx="1"/>
+          </p:nvPr>
+        </p:nvSpPr>
+        <p:spPr/>
+        <p:txBody>
+          <a:bodyPr/>
+          <a:lstStyle/>
+          <a:p>
+            <a:endParaRPr lang="ko-KR" altLang="en-US" dirty="0"/>
+          </a:p>
+        </p:txBody>
+      </p:sp>
+      <p:sp>
+        <p:nvSpPr>
+          <p:cNvPr id="4" name="슬라이드 번호 개체 틀 3"/>
+          <p:cNvSpPr>
+            <a:spLocks noGrp="1"/>
+          </p:cNvSpPr>
+          <p:nvPr>
+            <p:ph type="sldNum" sz="quarter" idx="5"/>
+          </p:nvPr>
+        </p:nvSpPr>
+        <p:spPr/>
+        <p:txBody>
+          <a:bodyPr/>
+          <a:lstStyle/>
+          <a:p>
+            <a:fld id="{B16ACF93-6964-4968-A36C-4FC033FBCB69}" type="slidenum">
+              <a:rPr lang="ko-KR" altLang="en-US" smtClean="0"/>
+              <a:t>5</a:t>
+            </a:fld>
+            <a:endParaRPr lang="ko-KR" altLang="en-US"/>
+          </a:p>
+        </p:txBody>
+      </p:sp>
+    </p:spTree>
+    <p:extLst>
+      <p:ext uri="{BB962C8B-B14F-4D97-AF65-F5344CB8AC3E}">
+        <p14:creationId xmlns:p14="http://schemas.microsoft.com/office/powerpoint/2010/main" val="2448830602"/>
+      </p:ext>
+    </p:extLst>
+  </p:cSld>
+  <p:clrMapOvr>
+    <a:masterClrMapping/>
+  </p:clrMapOvr>
+</p:notes>
+</file>
+
 <file path=ppt/slideLayouts/slideLayout1.xml><?xml version="1.0" encoding="utf-8"?>
 <p:sldLayout xmlns:a="http://schemas.openxmlformats.org/drawingml/2006/main" xmlns:r="http://schemas.openxmlformats.org/officeDocument/2006/relationships" xmlns:p="http://schemas.openxmlformats.org/presentationml/2006/main" type="title" preserve="1">
   <p:cSld name="제목 슬라이드">
@@ -706,7 +791,7 @@
           <a:p>
             <a:fld id="{3F552836-36F0-44E3-ADBE-08AF376A1DFA}" type="datetimeFigureOut">
               <a:rPr lang="ko-KR" altLang="en-US" smtClean="0"/>
-              <a:t>2023-10-13</a:t>
+              <a:t>2023-10-15</a:t>
             </a:fld>
             <a:endParaRPr lang="ko-KR" altLang="en-US"/>
           </a:p>
@@ -904,7 +989,7 @@
           <a:p>
             <a:fld id="{3F552836-36F0-44E3-ADBE-08AF376A1DFA}" type="datetimeFigureOut">
               <a:rPr lang="ko-KR" altLang="en-US" smtClean="0"/>
-              <a:t>2023-10-13</a:t>
+              <a:t>2023-10-15</a:t>
             </a:fld>
             <a:endParaRPr lang="ko-KR" altLang="en-US"/>
           </a:p>
@@ -1112,7 +1197,7 @@
           <a:p>
             <a:fld id="{3F552836-36F0-44E3-ADBE-08AF376A1DFA}" type="datetimeFigureOut">
               <a:rPr lang="ko-KR" altLang="en-US" smtClean="0"/>
-              <a:t>2023-10-13</a:t>
+              <a:t>2023-10-15</a:t>
             </a:fld>
             <a:endParaRPr lang="ko-KR" altLang="en-US"/>
           </a:p>
@@ -1310,7 +1395,7 @@
           <a:p>
             <a:fld id="{3F552836-36F0-44E3-ADBE-08AF376A1DFA}" type="datetimeFigureOut">
               <a:rPr lang="ko-KR" altLang="en-US" smtClean="0"/>
-              <a:t>2023-10-13</a:t>
+              <a:t>2023-10-15</a:t>
             </a:fld>
             <a:endParaRPr lang="ko-KR" altLang="en-US"/>
           </a:p>
@@ -1585,7 +1670,7 @@
           <a:p>
             <a:fld id="{3F552836-36F0-44E3-ADBE-08AF376A1DFA}" type="datetimeFigureOut">
               <a:rPr lang="ko-KR" altLang="en-US" smtClean="0"/>
-              <a:t>2023-10-13</a:t>
+              <a:t>2023-10-15</a:t>
             </a:fld>
             <a:endParaRPr lang="ko-KR" altLang="en-US"/>
           </a:p>
@@ -1850,7 +1935,7 @@
           <a:p>
             <a:fld id="{3F552836-36F0-44E3-ADBE-08AF376A1DFA}" type="datetimeFigureOut">
               <a:rPr lang="ko-KR" altLang="en-US" smtClean="0"/>
-              <a:t>2023-10-13</a:t>
+              <a:t>2023-10-15</a:t>
             </a:fld>
             <a:endParaRPr lang="ko-KR" altLang="en-US"/>
           </a:p>
@@ -2262,7 +2347,7 @@
           <a:p>
             <a:fld id="{3F552836-36F0-44E3-ADBE-08AF376A1DFA}" type="datetimeFigureOut">
               <a:rPr lang="ko-KR" altLang="en-US" smtClean="0"/>
-              <a:t>2023-10-13</a:t>
+              <a:t>2023-10-15</a:t>
             </a:fld>
             <a:endParaRPr lang="ko-KR" altLang="en-US"/>
           </a:p>
@@ -2403,7 +2488,7 @@
           <a:p>
             <a:fld id="{3F552836-36F0-44E3-ADBE-08AF376A1DFA}" type="datetimeFigureOut">
               <a:rPr lang="ko-KR" altLang="en-US" smtClean="0"/>
-              <a:t>2023-10-13</a:t>
+              <a:t>2023-10-15</a:t>
             </a:fld>
             <a:endParaRPr lang="ko-KR" altLang="en-US"/>
           </a:p>
@@ -2516,7 +2601,7 @@
           <a:p>
             <a:fld id="{3F552836-36F0-44E3-ADBE-08AF376A1DFA}" type="datetimeFigureOut">
               <a:rPr lang="ko-KR" altLang="en-US" smtClean="0"/>
-              <a:t>2023-10-13</a:t>
+              <a:t>2023-10-15</a:t>
             </a:fld>
             <a:endParaRPr lang="ko-KR" altLang="en-US"/>
           </a:p>
@@ -2827,7 +2912,7 @@
           <a:p>
             <a:fld id="{3F552836-36F0-44E3-ADBE-08AF376A1DFA}" type="datetimeFigureOut">
               <a:rPr lang="ko-KR" altLang="en-US" smtClean="0"/>
-              <a:t>2023-10-13</a:t>
+              <a:t>2023-10-15</a:t>
             </a:fld>
             <a:endParaRPr lang="ko-KR" altLang="en-US"/>
           </a:p>
@@ -3115,7 +3200,7 @@
           <a:p>
             <a:fld id="{3F552836-36F0-44E3-ADBE-08AF376A1DFA}" type="datetimeFigureOut">
               <a:rPr lang="ko-KR" altLang="en-US" smtClean="0"/>
-              <a:t>2023-10-13</a:t>
+              <a:t>2023-10-15</a:t>
             </a:fld>
             <a:endParaRPr lang="ko-KR" altLang="en-US"/>
           </a:p>
@@ -3356,7 +3441,7 @@
           <a:p>
             <a:fld id="{3F552836-36F0-44E3-ADBE-08AF376A1DFA}" type="datetimeFigureOut">
               <a:rPr lang="ko-KR" altLang="en-US" smtClean="0"/>
-              <a:t>2023-10-13</a:t>
+              <a:t>2023-10-15</a:t>
             </a:fld>
             <a:endParaRPr lang="ko-KR" altLang="en-US"/>
           </a:p>
@@ -7435,6 +7520,159 @@
           </a:p>
         </p:txBody>
       </p:sp>
+      <mc:AlternateContent xmlns:mc="http://schemas.openxmlformats.org/markup-compatibility/2006" xmlns:a14="http://schemas.microsoft.com/office/drawing/2010/main">
+        <mc:Choice Requires="a14">
+          <p:sp>
+            <p:nvSpPr>
+              <p:cNvPr id="2" name="TextBox 1">
+                <a:extLst>
+                  <a:ext uri="{FF2B5EF4-FFF2-40B4-BE49-F238E27FC236}">
+                    <a16:creationId xmlns:a16="http://schemas.microsoft.com/office/drawing/2014/main" id="{56EF3734-5928-A8DA-640D-FD3CD2AA4A37}"/>
+                  </a:ext>
+                </a:extLst>
+              </p:cNvPr>
+              <p:cNvSpPr txBox="1"/>
+              <p:nvPr/>
+            </p:nvSpPr>
+            <p:spPr>
+              <a:xfrm>
+                <a:off x="8816224" y="5006554"/>
+                <a:ext cx="2406978" cy="553998"/>
+              </a:xfrm>
+              <a:prstGeom prst="rect">
+                <a:avLst/>
+              </a:prstGeom>
+              <a:noFill/>
+            </p:spPr>
+            <p:txBody>
+              <a:bodyPr wrap="square" lIns="0" tIns="0" rIns="0" bIns="0" rtlCol="0">
+                <a:spAutoFit/>
+              </a:bodyPr>
+              <a:lstStyle/>
+              <a:p>
+                <a:pPr/>
+                <a14:m>
+                  <m:oMathPara xmlns:m="http://schemas.openxmlformats.org/officeDocument/2006/math">
+                    <m:oMathParaPr>
+                      <m:jc m:val="centerGroup"/>
+                    </m:oMathParaPr>
+                    <m:oMath xmlns:m="http://schemas.openxmlformats.org/officeDocument/2006/math">
+                      <m:r>
+                        <a:rPr lang="en-US" altLang="ko-KR" b="0" i="1" smtClean="0">
+                          <a:latin typeface="Cambria Math" panose="02040503050406030204" pitchFamily="18" charset="0"/>
+                          <a:ea typeface="Cambria Math" panose="02040503050406030204" pitchFamily="18" charset="0"/>
+                        </a:rPr>
+                        <m:t>𝐼</m:t>
+                      </m:r>
+                      <m:r>
+                        <a:rPr lang="en-US" altLang="ko-KR" i="1" smtClean="0">
+                          <a:latin typeface="Cambria Math" panose="02040503050406030204" pitchFamily="18" charset="0"/>
+                        </a:rPr>
+                        <m:t>=</m:t>
+                      </m:r>
+                      <m:f>
+                        <m:fPr>
+                          <m:ctrlPr>
+                            <a:rPr lang="en-US" altLang="ko-KR" i="1" smtClean="0">
+                              <a:latin typeface="Cambria Math" panose="02040503050406030204" pitchFamily="18" charset="0"/>
+                            </a:rPr>
+                          </m:ctrlPr>
+                        </m:fPr>
+                        <m:num>
+                          <m:r>
+                            <a:rPr lang="en-US" altLang="ko-KR" b="0" i="1" smtClean="0">
+                              <a:latin typeface="Cambria Math" panose="02040503050406030204" pitchFamily="18" charset="0"/>
+                            </a:rPr>
+                            <m:t>𝑏</m:t>
+                          </m:r>
+                          <m:sSup>
+                            <m:sSupPr>
+                              <m:ctrlPr>
+                                <a:rPr lang="en-US" altLang="ko-KR" b="0" i="1" smtClean="0">
+                                  <a:latin typeface="Cambria Math" panose="02040503050406030204" pitchFamily="18" charset="0"/>
+                                </a:rPr>
+                              </m:ctrlPr>
+                            </m:sSupPr>
+                            <m:e>
+                              <m:r>
+                                <a:rPr lang="en-US" altLang="ko-KR" b="0" i="1" smtClean="0">
+                                  <a:latin typeface="Cambria Math" panose="02040503050406030204" pitchFamily="18" charset="0"/>
+                                </a:rPr>
+                                <m:t>h</m:t>
+                              </m:r>
+                            </m:e>
+                            <m:sup>
+                              <m:r>
+                                <a:rPr lang="en-US" altLang="ko-KR" b="0" i="1" smtClean="0">
+                                  <a:latin typeface="Cambria Math" panose="02040503050406030204" pitchFamily="18" charset="0"/>
+                                </a:rPr>
+                                <m:t>3</m:t>
+                              </m:r>
+                            </m:sup>
+                          </m:sSup>
+                        </m:num>
+                        <m:den>
+                          <m:r>
+                            <a:rPr lang="en-US" altLang="ko-KR" b="0" i="1" smtClean="0">
+                              <a:latin typeface="Cambria Math" panose="02040503050406030204" pitchFamily="18" charset="0"/>
+                            </a:rPr>
+                            <m:t>12</m:t>
+                          </m:r>
+                        </m:den>
+                      </m:f>
+                    </m:oMath>
+                  </m:oMathPara>
+                </a14:m>
+                <a:endParaRPr lang="ko-KR" altLang="en-US" dirty="0"/>
+              </a:p>
+            </p:txBody>
+          </p:sp>
+        </mc:Choice>
+        <mc:Fallback xmlns="">
+          <p:sp>
+            <p:nvSpPr>
+              <p:cNvPr id="2" name="TextBox 1">
+                <a:extLst>
+                  <a:ext uri="{FF2B5EF4-FFF2-40B4-BE49-F238E27FC236}">
+                    <a16:creationId xmlns:a16="http://schemas.microsoft.com/office/drawing/2014/main" id="{56EF3734-5928-A8DA-640D-FD3CD2AA4A37}"/>
+                  </a:ext>
+                </a:extLst>
+              </p:cNvPr>
+              <p:cNvSpPr txBox="1">
+                <a:spLocks noRot="1" noChangeAspect="1" noMove="1" noResize="1" noEditPoints="1" noAdjustHandles="1" noChangeArrowheads="1" noChangeShapeType="1" noTextEdit="1"/>
+              </p:cNvSpPr>
+              <p:nvPr/>
+            </p:nvSpPr>
+            <p:spPr>
+              <a:xfrm>
+                <a:off x="8816224" y="5006554"/>
+                <a:ext cx="2406978" cy="553998"/>
+              </a:xfrm>
+              <a:prstGeom prst="rect">
+                <a:avLst/>
+              </a:prstGeom>
+              <a:blipFill>
+                <a:blip r:embed="rId18"/>
+                <a:stretch>
+                  <a:fillRect/>
+                </a:stretch>
+              </a:blipFill>
+            </p:spPr>
+            <p:txBody>
+              <a:bodyPr/>
+              <a:lstStyle/>
+              <a:p>
+                <a:r>
+                  <a:rPr lang="ko-KR" altLang="en-US">
+                    <a:noFill/>
+                  </a:rPr>
+                  <a:t> </a:t>
+                </a:r>
+              </a:p>
+            </p:txBody>
+          </p:sp>
+        </mc:Fallback>
+      </mc:AlternateContent>
     </p:spTree>
     <p:extLst>
       <p:ext uri="{BB962C8B-B14F-4D97-AF65-F5344CB8AC3E}">
@@ -15200,8 +15438,8 @@
           <a:chExt cx="0" cy="0"/>
         </a:xfrm>
       </p:grpSpPr>
-      <mc:AlternateContent xmlns:mc="http://schemas.openxmlformats.org/markup-compatibility/2006">
-        <mc:Choice xmlns:a14="http://schemas.microsoft.com/office/drawing/2010/main" Requires="a14">
+      <mc:AlternateContent xmlns:mc="http://schemas.openxmlformats.org/markup-compatibility/2006" xmlns:a14="http://schemas.microsoft.com/office/drawing/2010/main">
+        <mc:Choice Requires="a14">
           <p:sp>
             <p:nvSpPr>
               <p:cNvPr id="5" name="TextBox 4">
@@ -15344,7 +15582,7 @@
             </p:txBody>
           </p:sp>
         </mc:Choice>
-        <mc:Fallback>
+        <mc:Fallback xmlns="">
           <p:sp>
             <p:nvSpPr>
               <p:cNvPr id="5" name="TextBox 4">
@@ -15389,8 +15627,8 @@
           </p:sp>
         </mc:Fallback>
       </mc:AlternateContent>
-      <mc:AlternateContent xmlns:mc="http://schemas.openxmlformats.org/markup-compatibility/2006">
-        <mc:Choice xmlns:a14="http://schemas.microsoft.com/office/drawing/2010/main" Requires="a14">
+      <mc:AlternateContent xmlns:mc="http://schemas.openxmlformats.org/markup-compatibility/2006" xmlns:a14="http://schemas.microsoft.com/office/drawing/2010/main">
+        <mc:Choice Requires="a14">
           <p:sp>
             <p:nvSpPr>
               <p:cNvPr id="7" name="TextBox 6">
@@ -15822,7 +16060,7 @@
             </p:txBody>
           </p:sp>
         </mc:Choice>
-        <mc:Fallback>
+        <mc:Fallback xmlns="">
           <p:sp>
             <p:nvSpPr>
               <p:cNvPr id="7" name="TextBox 6">
@@ -15909,6 +16147,623 @@
     <p:extLst>
       <p:ext uri="{BB962C8B-B14F-4D97-AF65-F5344CB8AC3E}">
         <p14:creationId xmlns:p14="http://schemas.microsoft.com/office/powerpoint/2010/main" val="201357247"/>
+      </p:ext>
+    </p:extLst>
+  </p:cSld>
+  <p:clrMapOvr>
+    <a:masterClrMapping/>
+  </p:clrMapOvr>
+</p:sld>
+</file>
+
+<file path=ppt/slides/slide5.xml><?xml version="1.0" encoding="utf-8"?>
+<p:sld xmlns:a="http://schemas.openxmlformats.org/drawingml/2006/main" xmlns:r="http://schemas.openxmlformats.org/officeDocument/2006/relationships" xmlns:p="http://schemas.openxmlformats.org/presentationml/2006/main">
+  <p:cSld>
+    <p:spTree>
+      <p:nvGrpSpPr>
+        <p:cNvPr id="1" name=""/>
+        <p:cNvGrpSpPr/>
+        <p:nvPr/>
+      </p:nvGrpSpPr>
+      <p:grpSpPr>
+        <a:xfrm>
+          <a:off x="0" y="0"/>
+          <a:ext cx="0" cy="0"/>
+          <a:chOff x="0" y="0"/>
+          <a:chExt cx="0" cy="0"/>
+        </a:xfrm>
+      </p:grpSpPr>
+      <mc:AlternateContent xmlns:mc="http://schemas.openxmlformats.org/markup-compatibility/2006">
+        <mc:Choice xmlns:a14="http://schemas.microsoft.com/office/drawing/2010/main" Requires="a14">
+          <p:sp>
+            <p:nvSpPr>
+              <p:cNvPr id="7" name="TextBox 6">
+                <a:extLst>
+                  <a:ext uri="{FF2B5EF4-FFF2-40B4-BE49-F238E27FC236}">
+                    <a16:creationId xmlns:a16="http://schemas.microsoft.com/office/drawing/2014/main" id="{BB4B60A2-F8DB-DA0C-1316-B5718009B274}"/>
+                  </a:ext>
+                </a:extLst>
+              </p:cNvPr>
+              <p:cNvSpPr txBox="1"/>
+              <p:nvPr/>
+            </p:nvSpPr>
+            <p:spPr>
+              <a:xfrm>
+                <a:off x="2023918" y="2224196"/>
+                <a:ext cx="8458200" cy="1480918"/>
+              </a:xfrm>
+              <a:prstGeom prst="rect">
+                <a:avLst/>
+              </a:prstGeom>
+              <a:noFill/>
+            </p:spPr>
+            <p:txBody>
+              <a:bodyPr wrap="square">
+                <a:spAutoFit/>
+              </a:bodyPr>
+              <a:lstStyle/>
+              <a:p>
+                <a:pPr/>
+                <a14:m>
+                  <m:oMathPara xmlns:m="http://schemas.openxmlformats.org/officeDocument/2006/math">
+                    <m:oMathParaPr>
+                      <m:jc m:val="centerGroup"/>
+                    </m:oMathParaPr>
+                    <m:oMath xmlns:m="http://schemas.openxmlformats.org/officeDocument/2006/math">
+                      <m:r>
+                        <a:rPr lang="en-US" altLang="ko-KR" i="1" smtClean="0">
+                          <a:latin typeface="Cambria Math" panose="02040503050406030204" pitchFamily="18" charset="0"/>
+                        </a:rPr>
+                        <m:t>𝑦</m:t>
+                      </m:r>
+                      <m:r>
+                        <a:rPr lang="en-US" altLang="ko-KR" b="0" i="1" smtClean="0">
+                          <a:latin typeface="Cambria Math" panose="02040503050406030204" pitchFamily="18" charset="0"/>
+                        </a:rPr>
+                        <m:t>=</m:t>
+                      </m:r>
+                      <m:f>
+                        <m:fPr>
+                          <m:ctrlPr>
+                            <a:rPr lang="en-US" altLang="ko-KR" i="1" smtClean="0">
+                              <a:latin typeface="Cambria Math" panose="02040503050406030204" pitchFamily="18" charset="0"/>
+                            </a:rPr>
+                          </m:ctrlPr>
+                        </m:fPr>
+                        <m:num>
+                          <m:r>
+                            <a:rPr lang="en-US" altLang="ko-KR" i="1" smtClean="0">
+                              <a:latin typeface="Cambria Math" panose="02040503050406030204" pitchFamily="18" charset="0"/>
+                            </a:rPr>
+                            <m:t>𝑃</m:t>
+                          </m:r>
+                          <m:sSup>
+                            <m:sSupPr>
+                              <m:ctrlPr>
+                                <a:rPr lang="en-US" altLang="ko-KR" i="1" smtClean="0">
+                                  <a:latin typeface="Cambria Math" panose="02040503050406030204" pitchFamily="18" charset="0"/>
+                                </a:rPr>
+                              </m:ctrlPr>
+                            </m:sSupPr>
+                            <m:e>
+                              <m:r>
+                                <a:rPr lang="en-US" altLang="ko-KR" i="1" smtClean="0">
+                                  <a:latin typeface="Cambria Math" panose="02040503050406030204" pitchFamily="18" charset="0"/>
+                                </a:rPr>
+                                <m:t>𝑥</m:t>
+                              </m:r>
+                            </m:e>
+                            <m:sup>
+                              <m:r>
+                                <a:rPr lang="en-US" altLang="ko-KR" i="1">
+                                  <a:latin typeface="Cambria Math" panose="02040503050406030204" pitchFamily="18" charset="0"/>
+                                </a:rPr>
+                                <m:t>2</m:t>
+                              </m:r>
+                            </m:sup>
+                          </m:sSup>
+                        </m:num>
+                        <m:den>
+                          <m:r>
+                            <a:rPr lang="en-US" altLang="ko-KR" b="0" i="1" smtClean="0">
+                              <a:latin typeface="Cambria Math" panose="02040503050406030204" pitchFamily="18" charset="0"/>
+                            </a:rPr>
+                            <m:t>6</m:t>
+                          </m:r>
+                          <m:r>
+                            <a:rPr lang="en-US" altLang="ko-KR" b="0" i="1" smtClean="0">
+                              <a:latin typeface="Cambria Math" panose="02040503050406030204" pitchFamily="18" charset="0"/>
+                            </a:rPr>
+                            <m:t>𝐸𝐼</m:t>
+                          </m:r>
+                        </m:den>
+                      </m:f>
+                      <m:d>
+                        <m:dPr>
+                          <m:ctrlPr>
+                            <a:rPr lang="en-US" altLang="ko-KR" b="0" i="1" smtClean="0">
+                              <a:latin typeface="Cambria Math" panose="02040503050406030204" pitchFamily="18" charset="0"/>
+                            </a:rPr>
+                          </m:ctrlPr>
+                        </m:dPr>
+                        <m:e>
+                          <m:r>
+                            <a:rPr lang="en-US" altLang="ko-KR" i="1">
+                              <a:latin typeface="Cambria Math" panose="02040503050406030204" pitchFamily="18" charset="0"/>
+                            </a:rPr>
+                            <m:t>3</m:t>
+                          </m:r>
+                          <m:r>
+                            <a:rPr lang="en-US" altLang="ko-KR" i="1">
+                              <a:latin typeface="Cambria Math" panose="02040503050406030204" pitchFamily="18" charset="0"/>
+                            </a:rPr>
+                            <m:t>𝐿</m:t>
+                          </m:r>
+                          <m:r>
+                            <a:rPr lang="en-US" altLang="ko-KR" i="1">
+                              <a:latin typeface="Cambria Math" panose="02040503050406030204" pitchFamily="18" charset="0"/>
+                            </a:rPr>
+                            <m:t>−</m:t>
+                          </m:r>
+                          <m:r>
+                            <a:rPr lang="en-US" altLang="ko-KR" i="1">
+                              <a:latin typeface="Cambria Math" panose="02040503050406030204" pitchFamily="18" charset="0"/>
+                            </a:rPr>
+                            <m:t>𝑥</m:t>
+                          </m:r>
+                        </m:e>
+                      </m:d>
+                      <m:r>
+                        <a:rPr lang="en-US" altLang="ko-KR" b="0" i="1" smtClean="0">
+                          <a:latin typeface="Cambria Math" panose="02040503050406030204" pitchFamily="18" charset="0"/>
+                        </a:rPr>
+                        <m:t>+</m:t>
+                      </m:r>
+                      <m:f>
+                        <m:fPr>
+                          <m:ctrlPr>
+                            <a:rPr lang="en-US" altLang="ko-KR" i="1">
+                              <a:latin typeface="Cambria Math" panose="02040503050406030204" pitchFamily="18" charset="0"/>
+                            </a:rPr>
+                          </m:ctrlPr>
+                        </m:fPr>
+                        <m:num>
+                          <m:r>
+                            <a:rPr lang="ko-KR" altLang="en-US" i="1">
+                              <a:latin typeface="Cambria Math" panose="02040503050406030204" pitchFamily="18" charset="0"/>
+                            </a:rPr>
+                            <m:t>𝜔</m:t>
+                          </m:r>
+                          <m:sSup>
+                            <m:sSupPr>
+                              <m:ctrlPr>
+                                <a:rPr lang="en-US" altLang="ko-KR" i="1">
+                                  <a:latin typeface="Cambria Math" panose="02040503050406030204" pitchFamily="18" charset="0"/>
+                                </a:rPr>
+                              </m:ctrlPr>
+                            </m:sSupPr>
+                            <m:e>
+                              <m:r>
+                                <a:rPr lang="en-US" altLang="ko-KR" i="1">
+                                  <a:latin typeface="Cambria Math" panose="02040503050406030204" pitchFamily="18" charset="0"/>
+                                </a:rPr>
+                                <m:t>𝑥</m:t>
+                              </m:r>
+                            </m:e>
+                            <m:sup>
+                              <m:r>
+                                <a:rPr lang="en-US" altLang="ko-KR" i="1">
+                                  <a:latin typeface="Cambria Math" panose="02040503050406030204" pitchFamily="18" charset="0"/>
+                                </a:rPr>
+                                <m:t>2</m:t>
+                              </m:r>
+                            </m:sup>
+                          </m:sSup>
+                        </m:num>
+                        <m:den>
+                          <m:r>
+                            <a:rPr lang="en-US" altLang="ko-KR" i="1">
+                              <a:latin typeface="Cambria Math" panose="02040503050406030204" pitchFamily="18" charset="0"/>
+                            </a:rPr>
+                            <m:t>24</m:t>
+                          </m:r>
+                          <m:r>
+                            <a:rPr lang="en-US" altLang="ko-KR" i="1">
+                              <a:latin typeface="Cambria Math" panose="02040503050406030204" pitchFamily="18" charset="0"/>
+                            </a:rPr>
+                            <m:t>𝐸𝐼</m:t>
+                          </m:r>
+                        </m:den>
+                      </m:f>
+                      <m:d>
+                        <m:dPr>
+                          <m:ctrlPr>
+                            <a:rPr lang="en-US" altLang="ko-KR" i="1">
+                              <a:latin typeface="Cambria Math" panose="02040503050406030204" pitchFamily="18" charset="0"/>
+                            </a:rPr>
+                          </m:ctrlPr>
+                        </m:dPr>
+                        <m:e>
+                          <m:sSup>
+                            <m:sSupPr>
+                              <m:ctrlPr>
+                                <a:rPr lang="en-US" altLang="ko-KR" i="1">
+                                  <a:latin typeface="Cambria Math" panose="02040503050406030204" pitchFamily="18" charset="0"/>
+                                </a:rPr>
+                              </m:ctrlPr>
+                            </m:sSupPr>
+                            <m:e>
+                              <m:r>
+                                <a:rPr lang="en-US" altLang="ko-KR" i="1">
+                                  <a:latin typeface="Cambria Math" panose="02040503050406030204" pitchFamily="18" charset="0"/>
+                                </a:rPr>
+                                <m:t>𝑥</m:t>
+                              </m:r>
+                            </m:e>
+                            <m:sup>
+                              <m:r>
+                                <a:rPr lang="en-US" altLang="ko-KR" i="1">
+                                  <a:latin typeface="Cambria Math" panose="02040503050406030204" pitchFamily="18" charset="0"/>
+                                </a:rPr>
+                                <m:t>2</m:t>
+                              </m:r>
+                            </m:sup>
+                          </m:sSup>
+                          <m:r>
+                            <a:rPr lang="en-US" altLang="ko-KR" i="1">
+                              <a:latin typeface="Cambria Math" panose="02040503050406030204" pitchFamily="18" charset="0"/>
+                            </a:rPr>
+                            <m:t>−4</m:t>
+                          </m:r>
+                          <m:r>
+                            <a:rPr lang="en-US" altLang="ko-KR" i="1">
+                              <a:latin typeface="Cambria Math" panose="02040503050406030204" pitchFamily="18" charset="0"/>
+                            </a:rPr>
+                            <m:t>𝐿𝑥</m:t>
+                          </m:r>
+                          <m:r>
+                            <a:rPr lang="en-US" altLang="ko-KR" i="1">
+                              <a:latin typeface="Cambria Math" panose="02040503050406030204" pitchFamily="18" charset="0"/>
+                            </a:rPr>
+                            <m:t>+6</m:t>
+                          </m:r>
+                          <m:sSup>
+                            <m:sSupPr>
+                              <m:ctrlPr>
+                                <a:rPr lang="en-US" altLang="ko-KR" i="1">
+                                  <a:latin typeface="Cambria Math" panose="02040503050406030204" pitchFamily="18" charset="0"/>
+                                </a:rPr>
+                              </m:ctrlPr>
+                            </m:sSupPr>
+                            <m:e>
+                              <m:r>
+                                <a:rPr lang="en-US" altLang="ko-KR" i="1">
+                                  <a:latin typeface="Cambria Math" panose="02040503050406030204" pitchFamily="18" charset="0"/>
+                                </a:rPr>
+                                <m:t>𝐿</m:t>
+                              </m:r>
+                            </m:e>
+                            <m:sup>
+                              <m:r>
+                                <a:rPr lang="en-US" altLang="ko-KR" i="1">
+                                  <a:latin typeface="Cambria Math" panose="02040503050406030204" pitchFamily="18" charset="0"/>
+                                </a:rPr>
+                                <m:t>2</m:t>
+                              </m:r>
+                            </m:sup>
+                          </m:sSup>
+                        </m:e>
+                      </m:d>
+                    </m:oMath>
+                  </m:oMathPara>
+                </a14:m>
+                <a:endParaRPr lang="en-US" altLang="ko-KR" i="1" dirty="0">
+                  <a:latin typeface="Cambria Math" panose="02040503050406030204" pitchFamily="18" charset="0"/>
+                </a:endParaRPr>
+              </a:p>
+              <a:p>
+                <a:pPr/>
+                <a14:m>
+                  <m:oMathPara xmlns:m="http://schemas.openxmlformats.org/officeDocument/2006/math">
+                    <m:oMathParaPr>
+                      <m:jc m:val="centerGroup"/>
+                    </m:oMathParaPr>
+                    <m:oMath xmlns:m="http://schemas.openxmlformats.org/officeDocument/2006/math">
+                      <m:r>
+                        <a:rPr lang="en-US" altLang="ko-KR" b="0" i="1" smtClean="0">
+                          <a:latin typeface="Cambria Math" panose="02040503050406030204" pitchFamily="18" charset="0"/>
+                        </a:rPr>
+                        <m:t>=</m:t>
+                      </m:r>
+                      <m:f>
+                        <m:fPr>
+                          <m:ctrlPr>
+                            <a:rPr lang="en-US" altLang="ko-KR" i="1" smtClean="0">
+                              <a:latin typeface="Cambria Math" panose="02040503050406030204" pitchFamily="18" charset="0"/>
+                            </a:rPr>
+                          </m:ctrlPr>
+                        </m:fPr>
+                        <m:num>
+                          <m:r>
+                            <a:rPr lang="en-US" altLang="ko-KR" i="1" smtClean="0">
+                              <a:latin typeface="Cambria Math" panose="02040503050406030204" pitchFamily="18" charset="0"/>
+                            </a:rPr>
+                            <m:t>𝑃</m:t>
+                          </m:r>
+                          <m:sSup>
+                            <m:sSupPr>
+                              <m:ctrlPr>
+                                <a:rPr lang="en-US" altLang="ko-KR" i="1" smtClean="0">
+                                  <a:latin typeface="Cambria Math" panose="02040503050406030204" pitchFamily="18" charset="0"/>
+                                </a:rPr>
+                              </m:ctrlPr>
+                            </m:sSupPr>
+                            <m:e>
+                              <m:r>
+                                <a:rPr lang="en-US" altLang="ko-KR" i="1" smtClean="0">
+                                  <a:latin typeface="Cambria Math" panose="02040503050406030204" pitchFamily="18" charset="0"/>
+                                </a:rPr>
+                                <m:t>𝑥</m:t>
+                              </m:r>
+                            </m:e>
+                            <m:sup>
+                              <m:r>
+                                <a:rPr lang="en-US" altLang="ko-KR" i="1">
+                                  <a:latin typeface="Cambria Math" panose="02040503050406030204" pitchFamily="18" charset="0"/>
+                                </a:rPr>
+                                <m:t>2</m:t>
+                              </m:r>
+                            </m:sup>
+                          </m:sSup>
+                        </m:num>
+                        <m:den>
+                          <m:r>
+                            <a:rPr lang="en-US" altLang="ko-KR" b="0" i="1" smtClean="0">
+                              <a:latin typeface="Cambria Math" panose="02040503050406030204" pitchFamily="18" charset="0"/>
+                            </a:rPr>
+                            <m:t>6</m:t>
+                          </m:r>
+                          <m:r>
+                            <a:rPr lang="en-US" altLang="ko-KR" b="0" i="1" smtClean="0">
+                              <a:latin typeface="Cambria Math" panose="02040503050406030204" pitchFamily="18" charset="0"/>
+                            </a:rPr>
+                            <m:t>𝐸𝐼</m:t>
+                          </m:r>
+                        </m:den>
+                      </m:f>
+                      <m:d>
+                        <m:dPr>
+                          <m:ctrlPr>
+                            <a:rPr lang="en-US" altLang="ko-KR" b="0" i="1" smtClean="0">
+                              <a:latin typeface="Cambria Math" panose="02040503050406030204" pitchFamily="18" charset="0"/>
+                            </a:rPr>
+                          </m:ctrlPr>
+                        </m:dPr>
+                        <m:e>
+                          <m:r>
+                            <a:rPr lang="en-US" altLang="ko-KR" i="1">
+                              <a:latin typeface="Cambria Math" panose="02040503050406030204" pitchFamily="18" charset="0"/>
+                            </a:rPr>
+                            <m:t>3</m:t>
+                          </m:r>
+                          <m:r>
+                            <a:rPr lang="en-US" altLang="ko-KR" i="1">
+                              <a:latin typeface="Cambria Math" panose="02040503050406030204" pitchFamily="18" charset="0"/>
+                            </a:rPr>
+                            <m:t>𝐿</m:t>
+                          </m:r>
+                          <m:r>
+                            <a:rPr lang="en-US" altLang="ko-KR" i="1">
+                              <a:latin typeface="Cambria Math" panose="02040503050406030204" pitchFamily="18" charset="0"/>
+                            </a:rPr>
+                            <m:t>−</m:t>
+                          </m:r>
+                          <m:r>
+                            <a:rPr lang="en-US" altLang="ko-KR" i="1">
+                              <a:latin typeface="Cambria Math" panose="02040503050406030204" pitchFamily="18" charset="0"/>
+                            </a:rPr>
+                            <m:t>𝑥</m:t>
+                          </m:r>
+                        </m:e>
+                      </m:d>
+                      <m:r>
+                        <a:rPr lang="en-US" altLang="ko-KR" b="0" i="1" smtClean="0">
+                          <a:latin typeface="Cambria Math" panose="02040503050406030204" pitchFamily="18" charset="0"/>
+                        </a:rPr>
+                        <m:t>+</m:t>
+                      </m:r>
+                      <m:sSub>
+                        <m:sSubPr>
+                          <m:ctrlPr>
+                            <a:rPr lang="en-US" altLang="ko-KR" b="0" i="1" smtClean="0">
+                              <a:latin typeface="Cambria Math" panose="02040503050406030204" pitchFamily="18" charset="0"/>
+                            </a:rPr>
+                          </m:ctrlPr>
+                        </m:sSubPr>
+                        <m:e>
+                          <m:r>
+                            <a:rPr lang="en-US" altLang="ko-KR" b="0" i="1" smtClean="0">
+                              <a:latin typeface="Cambria Math" panose="02040503050406030204" pitchFamily="18" charset="0"/>
+                            </a:rPr>
+                            <m:t>𝑦</m:t>
+                          </m:r>
+                        </m:e>
+                        <m:sub>
+                          <m:r>
+                            <a:rPr lang="en-US" altLang="ko-KR" b="0" i="1" smtClean="0">
+                              <a:latin typeface="Cambria Math" panose="02040503050406030204" pitchFamily="18" charset="0"/>
+                            </a:rPr>
+                            <m:t>𝑚</m:t>
+                          </m:r>
+                        </m:sub>
+                      </m:sSub>
+                      <m:r>
+                        <a:rPr lang="en-US" altLang="ko-KR" b="0" i="1" smtClean="0">
+                          <a:latin typeface="Cambria Math" panose="02040503050406030204" pitchFamily="18" charset="0"/>
+                        </a:rPr>
+                        <m:t> </m:t>
+                      </m:r>
+                    </m:oMath>
+                  </m:oMathPara>
+                </a14:m>
+                <a:endParaRPr lang="en-US" altLang="ko-KR" b="0" i="1" dirty="0">
+                  <a:latin typeface="Cambria Math" panose="02040503050406030204" pitchFamily="18" charset="0"/>
+                </a:endParaRPr>
+              </a:p>
+              <a:p>
+                <a:pPr/>
+                <a14:m>
+                  <m:oMathPara xmlns:m="http://schemas.openxmlformats.org/officeDocument/2006/math">
+                    <m:oMathParaPr>
+                      <m:jc m:val="centerGroup"/>
+                    </m:oMathParaPr>
+                    <m:oMath xmlns:m="http://schemas.openxmlformats.org/officeDocument/2006/math">
+                      <m:r>
+                        <a:rPr lang="en-US" altLang="ko-KR" b="0" i="1" smtClean="0">
+                          <a:latin typeface="Cambria Math" panose="02040503050406030204" pitchFamily="18" charset="0"/>
+                        </a:rPr>
+                        <m:t>𝑦</m:t>
+                      </m:r>
+                      <m:r>
+                        <a:rPr lang="en-US" altLang="ko-KR" i="1">
+                          <a:latin typeface="Cambria Math" panose="02040503050406030204" pitchFamily="18" charset="0"/>
+                        </a:rPr>
+                        <m:t>=</m:t>
+                      </m:r>
+                      <m:r>
+                        <a:rPr lang="en-US" altLang="ko-KR" b="0" i="1" smtClean="0">
+                          <a:latin typeface="Cambria Math" panose="02040503050406030204" pitchFamily="18" charset="0"/>
+                        </a:rPr>
+                        <m:t>𝑃𝑎</m:t>
+                      </m:r>
+                      <m:r>
+                        <a:rPr lang="en-US" altLang="ko-KR" i="1">
+                          <a:latin typeface="Cambria Math" panose="02040503050406030204" pitchFamily="18" charset="0"/>
+                        </a:rPr>
+                        <m:t>+</m:t>
+                      </m:r>
+                      <m:sSub>
+                        <m:sSubPr>
+                          <m:ctrlPr>
+                            <a:rPr lang="en-US" altLang="ko-KR" i="1">
+                              <a:latin typeface="Cambria Math" panose="02040503050406030204" pitchFamily="18" charset="0"/>
+                            </a:rPr>
+                          </m:ctrlPr>
+                        </m:sSubPr>
+                        <m:e>
+                          <m:r>
+                            <a:rPr lang="en-US" altLang="ko-KR" i="1">
+                              <a:latin typeface="Cambria Math" panose="02040503050406030204" pitchFamily="18" charset="0"/>
+                            </a:rPr>
+                            <m:t>𝑦</m:t>
+                          </m:r>
+                        </m:e>
+                        <m:sub>
+                          <m:r>
+                            <a:rPr lang="en-US" altLang="ko-KR" i="1">
+                              <a:latin typeface="Cambria Math" panose="02040503050406030204" pitchFamily="18" charset="0"/>
+                            </a:rPr>
+                            <m:t>𝑚</m:t>
+                          </m:r>
+                        </m:sub>
+                      </m:sSub>
+                    </m:oMath>
+                  </m:oMathPara>
+                </a14:m>
+                <a:endParaRPr lang="en-US" altLang="ko-KR" b="0" i="1" dirty="0">
+                  <a:latin typeface="Cambria Math" panose="02040503050406030204" pitchFamily="18" charset="0"/>
+                </a:endParaRPr>
+              </a:p>
+            </p:txBody>
+          </p:sp>
+        </mc:Choice>
+        <mc:Fallback>
+          <p:sp>
+            <p:nvSpPr>
+              <p:cNvPr id="7" name="TextBox 6">
+                <a:extLst>
+                  <a:ext uri="{FF2B5EF4-FFF2-40B4-BE49-F238E27FC236}">
+                    <a16:creationId xmlns:a16="http://schemas.microsoft.com/office/drawing/2014/main" id="{BB4B60A2-F8DB-DA0C-1316-B5718009B274}"/>
+                  </a:ext>
+                </a:extLst>
+              </p:cNvPr>
+              <p:cNvSpPr txBox="1">
+                <a:spLocks noRot="1" noChangeAspect="1" noMove="1" noResize="1" noEditPoints="1" noAdjustHandles="1" noChangeArrowheads="1" noChangeShapeType="1" noTextEdit="1"/>
+              </p:cNvSpPr>
+              <p:nvPr/>
+            </p:nvSpPr>
+            <p:spPr>
+              <a:xfrm>
+                <a:off x="2023918" y="2224196"/>
+                <a:ext cx="8458200" cy="1480918"/>
+              </a:xfrm>
+              <a:prstGeom prst="rect">
+                <a:avLst/>
+              </a:prstGeom>
+              <a:blipFill>
+                <a:blip r:embed="rId3"/>
+                <a:stretch>
+                  <a:fillRect b="-1235"/>
+                </a:stretch>
+              </a:blipFill>
+            </p:spPr>
+            <p:txBody>
+              <a:bodyPr/>
+              <a:lstStyle/>
+              <a:p>
+                <a:r>
+                  <a:rPr lang="ko-KR" altLang="en-US">
+                    <a:noFill/>
+                  </a:rPr>
+                  <a:t> </a:t>
+                </a:r>
+              </a:p>
+            </p:txBody>
+          </p:sp>
+        </mc:Fallback>
+      </mc:AlternateContent>
+      <p:sp>
+        <p:nvSpPr>
+          <p:cNvPr id="2" name="TextBox 1">
+            <a:extLst>
+              <a:ext uri="{FF2B5EF4-FFF2-40B4-BE49-F238E27FC236}">
+                <a16:creationId xmlns:a16="http://schemas.microsoft.com/office/drawing/2014/main" id="{D4428C04-59BC-D6E5-A6AA-10302B86F10D}"/>
+              </a:ext>
+            </a:extLst>
+          </p:cNvPr>
+          <p:cNvSpPr txBox="1"/>
+          <p:nvPr/>
+        </p:nvSpPr>
+        <p:spPr>
+          <a:xfrm>
+            <a:off x="37848" y="68546"/>
+            <a:ext cx="2372765" cy="523220"/>
+          </a:xfrm>
+          <a:prstGeom prst="rect">
+            <a:avLst/>
+          </a:prstGeom>
+          <a:noFill/>
+        </p:spPr>
+        <p:txBody>
+          <a:bodyPr wrap="none" rtlCol="0">
+            <a:spAutoFit/>
+          </a:bodyPr>
+          <a:lstStyle/>
+          <a:p>
+            <a:r>
+              <a:rPr lang="ko-KR" altLang="en-US" sz="2800" dirty="0">
+                <a:latin typeface="마루 부리OTF 굵은" panose="020B0600000101010101" pitchFamily="34" charset="-127"/>
+                <a:ea typeface="마루 부리OTF 굵은" panose="020B0600000101010101" pitchFamily="34" charset="-127"/>
+              </a:rPr>
+              <a:t>자중과 추세선</a:t>
+            </a:r>
+          </a:p>
+        </p:txBody>
+      </p:sp>
+    </p:spTree>
+    <p:extLst>
+      <p:ext uri="{BB962C8B-B14F-4D97-AF65-F5344CB8AC3E}">
+        <p14:creationId xmlns:p14="http://schemas.microsoft.com/office/powerpoint/2010/main" val="728544348"/>
       </p:ext>
     </p:extLst>
   </p:cSld>
